--- a/Material/Presentación/presentacion v2.pptx
+++ b/Material/Presentación/presentacion v2.pptx
@@ -14911,14 +14911,6 @@
   <p:clrMapOvr>
     <a:masterClrMapping/>
   </p:clrMapOvr>
-  <mc:AlternateContent xmlns:mc="http://schemas.openxmlformats.org/markup-compatibility/2006" xmlns:p14="http://schemas.microsoft.com/office/powerpoint/2010/main">
-    <mc:Choice Requires="p14">
-      <p:transition spd="slow" p14:dur="2000"/>
-    </mc:Choice>
-    <mc:Fallback xmlns:p15="http://schemas.microsoft.com/office/powerpoint/2012/main" xmlns="">
-      <p:transition spd="slow"/>
-    </mc:Fallback>
-  </mc:AlternateContent>
 </p:sld>
 </file>
 
@@ -14982,22 +14974,13 @@
               </a:lnSpc>
             </a:pPr>
             <a:r>
-              <a:rPr lang="es-ES" sz="3200" b="1" spc="-1" dirty="0" smtClean="0">
-                <a:solidFill>
-                  <a:srgbClr val="FFFFFF"/>
-                </a:solidFill>
-                <a:latin typeface="Source Sans Pro Black"/>
-              </a:rPr>
-              <a:t>Prototipo </a:t>
-            </a:r>
-            <a:r>
               <a:rPr lang="es-ES" sz="3200" b="1" spc="-1" dirty="0">
                 <a:solidFill>
                   <a:srgbClr val="FFFFFF"/>
                 </a:solidFill>
                 <a:latin typeface="Source Sans Pro Black"/>
               </a:rPr>
-              <a:t>Interfaz - Cliente</a:t>
+              <a:t>Prototipo Interfaz - Cliente</a:t>
             </a:r>
             <a:endParaRPr lang="es-ES" sz="3200" spc="-1" dirty="0"/>
           </a:p>
@@ -15092,14 +15075,6 @@
   <p:clrMapOvr>
     <a:masterClrMapping/>
   </p:clrMapOvr>
-  <mc:AlternateContent xmlns:mc="http://schemas.openxmlformats.org/markup-compatibility/2006" xmlns:p14="http://schemas.microsoft.com/office/powerpoint/2010/main">
-    <mc:Choice Requires="p14">
-      <p:transition spd="slow" p14:dur="2000"/>
-    </mc:Choice>
-    <mc:Fallback xmlns:p15="http://schemas.microsoft.com/office/powerpoint/2012/main" xmlns="">
-      <p:transition spd="slow"/>
-    </mc:Fallback>
-  </mc:AlternateContent>
 </p:sld>
 </file>
 
@@ -15170,17 +15145,7 @@
                 <a:latin typeface="Source Sans Pro Black"/>
                 <a:ea typeface="DejaVu Sans"/>
               </a:rPr>
-              <a:t>Caso de </a:t>
-            </a:r>
-            <a:r>
-              <a:rPr lang="es-ES" sz="3200" b="1" strike="noStrike" spc="-1" dirty="0" smtClean="0">
-                <a:solidFill>
-                  <a:srgbClr val="FFFFFF"/>
-                </a:solidFill>
-                <a:latin typeface="Source Sans Pro Black"/>
-                <a:ea typeface="DejaVu Sans"/>
-              </a:rPr>
-              <a:t>Uso - </a:t>
+              <a:t>Caso de Uso - </a:t>
             </a:r>
             <a:r>
               <a:rPr lang="es-ES" sz="3200" b="1" spc="-1" dirty="0">
@@ -15193,7 +15158,7 @@
               <a:t>P</a:t>
             </a:r>
             <a:r>
-              <a:rPr lang="es-ES" sz="3200" b="1" strike="noStrike" spc="-1" dirty="0" smtClean="0">
+              <a:rPr lang="es-ES" sz="3200" b="1" strike="noStrike" spc="-1" dirty="0">
                 <a:solidFill>
                   <a:srgbClr val="FFFFFF"/>
                 </a:solidFill>
@@ -15272,14 +15237,6 @@
   <p:clrMapOvr>
     <a:masterClrMapping/>
   </p:clrMapOvr>
-  <mc:AlternateContent xmlns:mc="http://schemas.openxmlformats.org/markup-compatibility/2006" xmlns:p14="http://schemas.microsoft.com/office/powerpoint/2010/main">
-    <mc:Choice Requires="p14">
-      <p:transition spd="slow" p14:dur="2000"/>
-    </mc:Choice>
-    <mc:Fallback xmlns:p15="http://schemas.microsoft.com/office/powerpoint/2012/main" xmlns="">
-      <p:transition spd="slow"/>
-    </mc:Fallback>
-  </mc:AlternateContent>
 </p:sld>
 </file>
 
@@ -15343,7 +15300,7 @@
               </a:lnSpc>
             </a:pPr>
             <a:r>
-              <a:rPr lang="es-ES" sz="3200" b="1" strike="noStrike" spc="-1" dirty="0" smtClean="0">
+              <a:rPr lang="es-ES" sz="3200" b="1" strike="noStrike" spc="-1" dirty="0">
                 <a:solidFill>
                   <a:srgbClr val="FFFFFF"/>
                 </a:solidFill>
@@ -15363,7 +15320,7 @@
               <a:t>P</a:t>
             </a:r>
             <a:r>
-              <a:rPr lang="es-ES" sz="3200" b="1" strike="noStrike" spc="-1" dirty="0" smtClean="0">
+              <a:rPr lang="es-ES" sz="3200" b="1" strike="noStrike" spc="-1" dirty="0">
                 <a:solidFill>
                   <a:srgbClr val="FFFFFF"/>
                 </a:solidFill>
@@ -15467,14 +15424,6 @@
   <p:clrMapOvr>
     <a:masterClrMapping/>
   </p:clrMapOvr>
-  <mc:AlternateContent xmlns:mc="http://schemas.openxmlformats.org/markup-compatibility/2006" xmlns:p14="http://schemas.microsoft.com/office/powerpoint/2010/main">
-    <mc:Choice Requires="p14">
-      <p:transition spd="slow" p14:dur="2000"/>
-    </mc:Choice>
-    <mc:Fallback xmlns:p15="http://schemas.microsoft.com/office/powerpoint/2012/main" xmlns="">
-      <p:transition spd="slow"/>
-    </mc:Fallback>
-  </mc:AlternateContent>
 </p:sld>
 </file>
 
@@ -15545,17 +15494,7 @@
                 <a:latin typeface="Source Sans Pro Black"/>
                 <a:ea typeface="DejaVu Sans"/>
               </a:rPr>
-              <a:t>Caso de </a:t>
-            </a:r>
-            <a:r>
-              <a:rPr lang="es-ES" sz="3200" b="1" strike="noStrike" spc="-1" dirty="0" smtClean="0">
-                <a:solidFill>
-                  <a:srgbClr val="FFFFFF"/>
-                </a:solidFill>
-                <a:latin typeface="Source Sans Pro Black"/>
-                <a:ea typeface="DejaVu Sans"/>
-              </a:rPr>
-              <a:t>Uso - Gerente</a:t>
+              <a:t>Caso de Uso - Gerente</a:t>
             </a:r>
             <a:endParaRPr lang="es-ES" sz="3200" b="0" strike="noStrike" spc="-1" dirty="0">
               <a:latin typeface="Arial"/>
@@ -15627,14 +15566,6 @@
   <p:clrMapOvr>
     <a:masterClrMapping/>
   </p:clrMapOvr>
-  <mc:AlternateContent xmlns:mc="http://schemas.openxmlformats.org/markup-compatibility/2006" xmlns:p14="http://schemas.microsoft.com/office/powerpoint/2010/main">
-    <mc:Choice Requires="p14">
-      <p:transition spd="slow" p14:dur="2000"/>
-    </mc:Choice>
-    <mc:Fallback xmlns:p15="http://schemas.microsoft.com/office/powerpoint/2012/main" xmlns="">
-      <p:transition spd="slow"/>
-    </mc:Fallback>
-  </mc:AlternateContent>
 </p:sld>
 </file>
 
@@ -15705,17 +15636,7 @@
                 <a:latin typeface="Source Sans Pro Black"/>
                 <a:ea typeface="DejaVu Sans"/>
               </a:rPr>
-              <a:t>Prototipo </a:t>
-            </a:r>
-            <a:r>
-              <a:rPr lang="es-ES" sz="3200" b="1" strike="noStrike" spc="-1" dirty="0" smtClean="0">
-                <a:solidFill>
-                  <a:srgbClr val="FFFFFF"/>
-                </a:solidFill>
-                <a:latin typeface="Source Sans Pro Black"/>
-                <a:ea typeface="DejaVu Sans"/>
-              </a:rPr>
-              <a:t>Interfaz - Gestión</a:t>
+              <a:t>Prototipo Interfaz - Gestión</a:t>
             </a:r>
             <a:endParaRPr lang="es-ES" sz="3200" b="0" strike="noStrike" spc="-1" dirty="0">
               <a:latin typeface="Arial"/>
@@ -15812,14 +15733,6 @@
   <p:clrMapOvr>
     <a:masterClrMapping/>
   </p:clrMapOvr>
-  <mc:AlternateContent xmlns:mc="http://schemas.openxmlformats.org/markup-compatibility/2006" xmlns:p14="http://schemas.microsoft.com/office/powerpoint/2010/main">
-    <mc:Choice Requires="p14">
-      <p:transition spd="slow" p14:dur="2000"/>
-    </mc:Choice>
-    <mc:Fallback xmlns:p15="http://schemas.microsoft.com/office/powerpoint/2012/main" xmlns="">
-      <p:transition spd="slow"/>
-    </mc:Fallback>
-  </mc:AlternateContent>
 </p:sld>
 </file>
 
@@ -16048,14 +15961,6 @@
   <p:clrMapOvr>
     <a:masterClrMapping/>
   </p:clrMapOvr>
-  <mc:AlternateContent xmlns:mc="http://schemas.openxmlformats.org/markup-compatibility/2006" xmlns:p14="http://schemas.microsoft.com/office/powerpoint/2010/main">
-    <mc:Choice Requires="p14">
-      <p:transition spd="slow" p14:dur="2000"/>
-    </mc:Choice>
-    <mc:Fallback xmlns:p15="http://schemas.microsoft.com/office/powerpoint/2012/main" xmlns="">
-      <p:transition spd="slow"/>
-    </mc:Fallback>
-  </mc:AlternateContent>
 </p:sld>
 </file>
 
@@ -16184,17 +16089,7 @@
                 <a:latin typeface="Source Sans Pro Semibold"/>
                 <a:ea typeface="DejaVu Sans"/>
               </a:rPr>
-              <a:t>Gestión del </a:t>
-            </a:r>
-            <a:r>
-              <a:rPr lang="es-ES" sz="2600" b="1" strike="noStrike" spc="-1" dirty="0" smtClean="0">
-                <a:solidFill>
-                  <a:srgbClr val="1C1C1C"/>
-                </a:solidFill>
-                <a:latin typeface="Source Sans Pro Semibold"/>
-                <a:ea typeface="DejaVu Sans"/>
-              </a:rPr>
-              <a:t>local:</a:t>
+              <a:t>Gestión del local:</a:t>
             </a:r>
             <a:endParaRPr lang="es-ES" sz="2600" b="0" strike="noStrike" spc="-1" dirty="0">
               <a:latin typeface="Arial"/>
@@ -16230,14 +16125,6 @@
   <p:clrMapOvr>
     <a:masterClrMapping/>
   </p:clrMapOvr>
-  <mc:AlternateContent xmlns:mc="http://schemas.openxmlformats.org/markup-compatibility/2006" xmlns:p14="http://schemas.microsoft.com/office/powerpoint/2010/main">
-    <mc:Choice Requires="p14">
-      <p:transition spd="slow" p14:dur="2000"/>
-    </mc:Choice>
-    <mc:Fallback xmlns:p15="http://schemas.microsoft.com/office/powerpoint/2012/main" xmlns="">
-      <p:transition spd="slow"/>
-    </mc:Fallback>
-  </mc:AlternateContent>
 </p:sld>
 </file>
 
@@ -16308,17 +16195,7 @@
                 <a:latin typeface="Source Sans Pro Black"/>
                 <a:ea typeface="DejaVu Sans"/>
               </a:rPr>
-              <a:t>Caso de </a:t>
-            </a:r>
-            <a:r>
-              <a:rPr lang="es-ES" sz="3200" b="1" strike="noStrike" spc="-1" dirty="0" smtClean="0">
-                <a:solidFill>
-                  <a:srgbClr val="FFFFFF"/>
-                </a:solidFill>
-                <a:latin typeface="Source Sans Pro Black"/>
-                <a:ea typeface="DejaVu Sans"/>
-              </a:rPr>
-              <a:t>Uso - </a:t>
+              <a:t>Caso de Uso - </a:t>
             </a:r>
             <a:r>
               <a:rPr lang="es-ES" sz="3200" b="1" spc="-1" dirty="0" err="1">
@@ -16331,7 +16208,7 @@
               <a:t>S</a:t>
             </a:r>
             <a:r>
-              <a:rPr lang="es-ES" sz="3200" b="1" strike="noStrike" spc="-1" dirty="0" err="1" smtClean="0">
+              <a:rPr lang="es-ES" sz="3200" b="1" strike="noStrike" spc="-1" dirty="0" err="1">
                 <a:solidFill>
                   <a:srgbClr val="FFFFFF"/>
                 </a:solidFill>
@@ -16410,14 +16287,6 @@
   <p:clrMapOvr>
     <a:masterClrMapping/>
   </p:clrMapOvr>
-  <mc:AlternateContent xmlns:mc="http://schemas.openxmlformats.org/markup-compatibility/2006" xmlns:p14="http://schemas.microsoft.com/office/powerpoint/2010/main">
-    <mc:Choice Requires="p14">
-      <p:transition spd="slow" p14:dur="2000"/>
-    </mc:Choice>
-    <mc:Fallback xmlns:p15="http://schemas.microsoft.com/office/powerpoint/2012/main" xmlns="">
-      <p:transition spd="slow"/>
-    </mc:Fallback>
-  </mc:AlternateContent>
 </p:sld>
 </file>
 
@@ -16501,7 +16370,7 @@
               <a:t>S</a:t>
             </a:r>
             <a:r>
-              <a:rPr lang="es-ES" sz="3200" b="1" strike="noStrike" spc="-1" dirty="0" err="1" smtClean="0">
+              <a:rPr lang="es-ES" sz="3200" b="1" strike="noStrike" spc="-1" dirty="0" err="1">
                 <a:solidFill>
                   <a:srgbClr val="FFFFFF"/>
                 </a:solidFill>
@@ -16544,14 +16413,6 @@
   <p:clrMapOvr>
     <a:masterClrMapping/>
   </p:clrMapOvr>
-  <mc:AlternateContent xmlns:mc="http://schemas.openxmlformats.org/markup-compatibility/2006" xmlns:p14="http://schemas.microsoft.com/office/powerpoint/2010/main">
-    <mc:Choice Requires="p14">
-      <p:transition spd="slow" p14:dur="2000"/>
-    </mc:Choice>
-    <mc:Fallback xmlns:p15="http://schemas.microsoft.com/office/powerpoint/2012/main" xmlns="">
-      <p:transition spd="slow"/>
-    </mc:Fallback>
-  </mc:AlternateContent>
 </p:sld>
 </file>
 
@@ -16622,17 +16483,7 @@
                 <a:latin typeface="Source Sans Pro Black"/>
                 <a:ea typeface="DejaVu Sans"/>
               </a:rPr>
-              <a:t>Ejemplo de Diagrama de </a:t>
-            </a:r>
-            <a:r>
-              <a:rPr lang="es-ES" sz="3200" b="1" strike="noStrike" spc="-1" dirty="0" smtClean="0">
-                <a:solidFill>
-                  <a:srgbClr val="FFFFFF"/>
-                </a:solidFill>
-                <a:latin typeface="Source Sans Pro Black"/>
-                <a:ea typeface="DejaVu Sans"/>
-              </a:rPr>
-              <a:t>Secuencia</a:t>
+              <a:t>Ejemplo de Diagrama de Secuencia</a:t>
             </a:r>
             <a:endParaRPr lang="es-ES" sz="3200" b="0" strike="noStrike" spc="-1" dirty="0">
               <a:latin typeface="Arial"/>
@@ -16668,14 +16519,6 @@
   <p:clrMapOvr>
     <a:masterClrMapping/>
   </p:clrMapOvr>
-  <mc:AlternateContent xmlns:mc="http://schemas.openxmlformats.org/markup-compatibility/2006" xmlns:p14="http://schemas.microsoft.com/office/powerpoint/2010/main">
-    <mc:Choice Requires="p14">
-      <p:transition spd="slow" p14:dur="2000"/>
-    </mc:Choice>
-    <mc:Fallback xmlns:p15="http://schemas.microsoft.com/office/powerpoint/2012/main" xmlns="">
-      <p:transition spd="slow"/>
-    </mc:Fallback>
-  </mc:AlternateContent>
 </p:sld>
 </file>
 
@@ -16739,34 +16582,14 @@
               </a:lnSpc>
             </a:pPr>
             <a:r>
-              <a:rPr lang="es-ES" sz="3200" b="1" strike="noStrike" spc="-1" dirty="0" smtClean="0">
+              <a:rPr lang="es-ES" sz="3200" b="1" strike="noStrike" spc="-1" dirty="0">
                 <a:solidFill>
                   <a:srgbClr val="FFFFFF"/>
                 </a:solidFill>
                 <a:latin typeface="Source Sans Pro Black"/>
                 <a:ea typeface="DejaVu Sans"/>
               </a:rPr>
-              <a:t>¿En que consiste el </a:t>
-            </a:r>
-            <a:r>
-              <a:rPr lang="es-ES" sz="3200" b="1" strike="noStrike" spc="-1" dirty="0" smtClean="0">
-                <a:solidFill>
-                  <a:srgbClr val="FFFFFF"/>
-                </a:solidFill>
-                <a:latin typeface="Source Sans Pro Black"/>
-                <a:ea typeface="DejaVu Sans"/>
-              </a:rPr>
-              <a:t>Sistema</a:t>
-            </a:r>
-            <a:r>
-              <a:rPr lang="es-ES" sz="3200" b="1" strike="noStrike" spc="-1" dirty="0" smtClean="0">
-                <a:solidFill>
-                  <a:srgbClr val="FFFFFF"/>
-                </a:solidFill>
-                <a:latin typeface="Source Sans Pro Black"/>
-                <a:ea typeface="DejaVu Sans"/>
-              </a:rPr>
-              <a:t>?</a:t>
+              <a:t>¿En que consiste el Sistema?</a:t>
             </a:r>
             <a:endParaRPr lang="es-ES" sz="3200" b="0" strike="noStrike" spc="-1" dirty="0">
               <a:latin typeface="Arial"/>
@@ -16849,7 +16672,7 @@
               <a:buChar char=""/>
             </a:pPr>
             <a:r>
-              <a:rPr lang="es-ES" sz="1600" b="1" strike="noStrike" spc="-1" dirty="0" smtClean="0">
+              <a:rPr lang="es-ES" sz="1600" b="1" strike="noStrike" spc="-1" dirty="0">
                 <a:solidFill>
                   <a:srgbClr val="1C1C1C"/>
                 </a:solidFill>
@@ -16859,7 +16682,7 @@
               <a:t>Es una aplicación </a:t>
             </a:r>
             <a:r>
-              <a:rPr lang="es-ES" sz="1600" b="1" spc="-1" dirty="0" smtClean="0">
+              <a:rPr lang="es-ES" sz="1600" b="1" spc="-1" dirty="0">
                 <a:solidFill>
                   <a:srgbClr val="1C1C1C"/>
                 </a:solidFill>
@@ -16901,7 +16724,7 @@
               <a:buChar char=""/>
             </a:pPr>
             <a:r>
-              <a:rPr lang="es-ES" sz="1600" b="1" strike="noStrike" spc="-1" dirty="0" smtClean="0">
+              <a:rPr lang="es-ES" sz="1600" b="1" strike="noStrike" spc="-1" dirty="0">
                 <a:solidFill>
                   <a:srgbClr val="1C1C1C"/>
                 </a:solidFill>
@@ -16943,7 +16766,7 @@
               <a:buChar char=""/>
             </a:pPr>
             <a:r>
-              <a:rPr lang="es-ES" sz="1600" b="1" strike="noStrike" spc="-1" dirty="0" smtClean="0">
+              <a:rPr lang="es-ES" sz="1600" b="1" strike="noStrike" spc="-1" dirty="0">
                 <a:solidFill>
                   <a:srgbClr val="1C1C1C"/>
                 </a:solidFill>
@@ -16968,14 +16791,6 @@
   <p:clrMapOvr>
     <a:masterClrMapping/>
   </p:clrMapOvr>
-  <mc:AlternateContent xmlns:mc="http://schemas.openxmlformats.org/markup-compatibility/2006" xmlns:p14="http://schemas.microsoft.com/office/powerpoint/2010/main">
-    <mc:Choice Requires="p14">
-      <p:transition spd="slow" p14:dur="2000"/>
-    </mc:Choice>
-    <mc:Fallback xmlns:p15="http://schemas.microsoft.com/office/powerpoint/2012/main" xmlns="">
-      <p:transition spd="slow"/>
-    </mc:Fallback>
-  </mc:AlternateContent>
 </p:sld>
 </file>
 
@@ -17031,14 +16846,6 @@
   <p:clrMapOvr>
     <a:masterClrMapping/>
   </p:clrMapOvr>
-  <mc:AlternateContent xmlns:mc="http://schemas.openxmlformats.org/markup-compatibility/2006" xmlns:p14="http://schemas.microsoft.com/office/powerpoint/2010/main">
-    <mc:Choice Requires="p14">
-      <p:transition spd="slow" p14:dur="2000"/>
-    </mc:Choice>
-    <mc:Fallback xmlns:p15="http://schemas.microsoft.com/office/powerpoint/2012/main" xmlns="">
-      <p:transition spd="slow"/>
-    </mc:Fallback>
-  </mc:AlternateContent>
 </p:sld>
 </file>
 
@@ -17180,14 +16987,6 @@
   <p:clrMapOvr>
     <a:masterClrMapping/>
   </p:clrMapOvr>
-  <mc:AlternateContent xmlns:mc="http://schemas.openxmlformats.org/markup-compatibility/2006" xmlns:p14="http://schemas.microsoft.com/office/powerpoint/2010/main">
-    <mc:Choice Requires="p14">
-      <p:transition spd="slow" p14:dur="2000"/>
-    </mc:Choice>
-    <mc:Fallback xmlns:p15="http://schemas.microsoft.com/office/powerpoint/2012/main" xmlns="">
-      <p:transition spd="slow"/>
-    </mc:Fallback>
-  </mc:AlternateContent>
 </p:sld>
 </file>
 
@@ -17251,7 +17050,7 @@
               </a:lnSpc>
             </a:pPr>
             <a:r>
-              <a:rPr lang="es-ES" sz="3200" b="1" strike="noStrike" spc="-1" dirty="0" smtClean="0">
+              <a:rPr lang="es-ES" sz="3200" b="1" strike="noStrike" spc="-1" dirty="0">
                 <a:solidFill>
                   <a:srgbClr val="FFFFFF"/>
                 </a:solidFill>
@@ -17373,7 +17172,7 @@
               <a:buChar char=""/>
             </a:pPr>
             <a:r>
-              <a:rPr lang="es-ES" sz="2700" b="1" spc="-1" dirty="0" smtClean="0">
+              <a:rPr lang="es-ES" sz="2700" b="1" spc="-1" dirty="0">
                 <a:latin typeface="Arial"/>
               </a:rPr>
               <a:t> La implementación del sistema ha de realizarse en Java.</a:t>
@@ -17414,7 +17213,7 @@
               <a:buChar char=""/>
             </a:pPr>
             <a:r>
-              <a:rPr lang="es-ES" sz="2700" b="1" spc="-1" dirty="0" smtClean="0">
+              <a:rPr lang="es-ES" sz="2700" b="1" spc="-1" dirty="0">
                 <a:latin typeface="Arial"/>
               </a:rPr>
               <a:t> Cada restaurante tendrá servidores conectados con el sistema de administración.</a:t>
@@ -17430,14 +17229,6 @@
   <p:clrMapOvr>
     <a:masterClrMapping/>
   </p:clrMapOvr>
-  <mc:AlternateContent xmlns:mc="http://schemas.openxmlformats.org/markup-compatibility/2006" xmlns:p14="http://schemas.microsoft.com/office/powerpoint/2010/main">
-    <mc:Choice Requires="p14">
-      <p:transition spd="slow" p14:dur="2000"/>
-    </mc:Choice>
-    <mc:Fallback xmlns:p15="http://schemas.microsoft.com/office/powerpoint/2012/main" xmlns="">
-      <p:transition spd="slow"/>
-    </mc:Fallback>
-  </mc:AlternateContent>
 </p:sld>
 </file>
 
@@ -17501,7 +17292,7 @@
               </a:lnSpc>
             </a:pPr>
             <a:r>
-              <a:rPr lang="es-ES" sz="3200" b="1" strike="noStrike" spc="-1" dirty="0" smtClean="0">
+              <a:rPr lang="es-ES" sz="3200" b="1" strike="noStrike" spc="-1" dirty="0">
                 <a:solidFill>
                   <a:srgbClr val="FFFFFF"/>
                 </a:solidFill>
@@ -17521,7 +17312,7 @@
               <a:t>C</a:t>
             </a:r>
             <a:r>
-              <a:rPr lang="es-ES" sz="3200" b="1" strike="noStrike" spc="-1" dirty="0" smtClean="0">
+              <a:rPr lang="es-ES" sz="3200" b="1" strike="noStrike" spc="-1" dirty="0">
                 <a:solidFill>
                   <a:srgbClr val="FFFFFF"/>
                 </a:solidFill>
@@ -17570,500 +17361,6 @@
         <p:txBody>
           <a:bodyPr lIns="0" tIns="0" rIns="0" bIns="0">
             <a:normAutofit fontScale="97000"/>
-          </a:bodyPr>
-          <a:lstStyle/>
-          <a:p>
-            <a:pPr marL="216000" indent="-215280">
-              <a:lnSpc>
-                <a:spcPct val="100000"/>
-              </a:lnSpc>
-              <a:spcAft>
-                <a:spcPts val="1142"/>
-              </a:spcAft>
-              <a:buClr>
-                <a:srgbClr val="000000"/>
-              </a:buClr>
-              <a:buSzPct val="45000"/>
-              <a:buFont typeface="Wingdings" charset="2"/>
-              <a:buChar char=""/>
-            </a:pPr>
-            <a:r>
-              <a:rPr lang="es-ES" sz="2400" b="1" strike="noStrike" spc="-1" dirty="0" smtClean="0">
-                <a:solidFill>
-                  <a:srgbClr val="1C1C1C"/>
-                </a:solidFill>
-                <a:latin typeface="Source Sans Pro Semibold"/>
-                <a:ea typeface="DejaVu Sans"/>
-              </a:rPr>
-              <a:t> Elección </a:t>
-            </a:r>
-            <a:r>
-              <a:rPr lang="es-ES" sz="2400" b="1" strike="noStrike" spc="-1" dirty="0">
-                <a:solidFill>
-                  <a:srgbClr val="1C1C1C"/>
-                </a:solidFill>
-                <a:latin typeface="Source Sans Pro Semibold"/>
-                <a:ea typeface="DejaVu Sans"/>
-              </a:rPr>
-              <a:t>de pagar en cualquier </a:t>
-            </a:r>
-            <a:r>
-              <a:rPr lang="es-ES" sz="2400" b="1" strike="noStrike" spc="-1" dirty="0" smtClean="0">
-                <a:solidFill>
-                  <a:srgbClr val="1C1C1C"/>
-                </a:solidFill>
-                <a:latin typeface="Source Sans Pro Semibold"/>
-                <a:ea typeface="DejaVu Sans"/>
-              </a:rPr>
-              <a:t>momento.</a:t>
-            </a:r>
-            <a:endParaRPr lang="es-ES" sz="2400" b="0" strike="noStrike" spc="-1" dirty="0">
-              <a:latin typeface="Arial"/>
-            </a:endParaRPr>
-          </a:p>
-          <a:p>
-            <a:pPr marL="216000" indent="-215280">
-              <a:lnSpc>
-                <a:spcPct val="100000"/>
-              </a:lnSpc>
-              <a:spcAft>
-                <a:spcPts val="1142"/>
-              </a:spcAft>
-              <a:buClr>
-                <a:srgbClr val="000000"/>
-              </a:buClr>
-              <a:buSzPct val="45000"/>
-              <a:buFont typeface="Wingdings" charset="2"/>
-              <a:buChar char=""/>
-            </a:pPr>
-            <a:r>
-              <a:rPr lang="es-ES" sz="2400" b="1" strike="noStrike" spc="-1" dirty="0" smtClean="0">
-                <a:solidFill>
-                  <a:srgbClr val="1C1C1C"/>
-                </a:solidFill>
-                <a:latin typeface="Source Sans Pro Semibold"/>
-                <a:ea typeface="DejaVu Sans"/>
-              </a:rPr>
-              <a:t> Diferentes </a:t>
-            </a:r>
-            <a:r>
-              <a:rPr lang="es-ES" sz="2400" b="1" strike="noStrike" spc="-1" dirty="0">
-                <a:solidFill>
-                  <a:srgbClr val="1C1C1C"/>
-                </a:solidFill>
-                <a:latin typeface="Source Sans Pro Semibold"/>
-                <a:ea typeface="DejaVu Sans"/>
-              </a:rPr>
-              <a:t>alternativas prefijadas en cada </a:t>
-            </a:r>
-            <a:r>
-              <a:rPr lang="es-ES" sz="2400" b="1" strike="noStrike" spc="-1" dirty="0" smtClean="0">
-                <a:solidFill>
-                  <a:srgbClr val="1C1C1C"/>
-                </a:solidFill>
-                <a:latin typeface="Source Sans Pro Semibold"/>
-                <a:ea typeface="DejaVu Sans"/>
-              </a:rPr>
-              <a:t>plato.</a:t>
-            </a:r>
-            <a:endParaRPr lang="es-ES" sz="2400" b="0" strike="noStrike" spc="-1" dirty="0">
-              <a:latin typeface="Arial"/>
-            </a:endParaRPr>
-          </a:p>
-          <a:p>
-            <a:pPr marL="216000" indent="-215280">
-              <a:lnSpc>
-                <a:spcPct val="100000"/>
-              </a:lnSpc>
-              <a:spcAft>
-                <a:spcPts val="1142"/>
-              </a:spcAft>
-              <a:buClr>
-                <a:srgbClr val="000000"/>
-              </a:buClr>
-              <a:buSzPct val="45000"/>
-              <a:buFont typeface="Wingdings" charset="2"/>
-              <a:buChar char=""/>
-            </a:pPr>
-            <a:r>
-              <a:rPr lang="es-ES" sz="2400" b="1" strike="noStrike" spc="-1" dirty="0" smtClean="0">
-                <a:solidFill>
-                  <a:srgbClr val="1C1C1C"/>
-                </a:solidFill>
-                <a:latin typeface="Source Sans Pro Semibold"/>
-                <a:ea typeface="DejaVu Sans"/>
-              </a:rPr>
-              <a:t> Pago </a:t>
-            </a:r>
-            <a:r>
-              <a:rPr lang="es-ES" sz="2400" b="1" strike="noStrike" spc="-1" dirty="0">
-                <a:solidFill>
-                  <a:srgbClr val="1C1C1C"/>
-                </a:solidFill>
-                <a:latin typeface="Source Sans Pro Semibold"/>
-                <a:ea typeface="DejaVu Sans"/>
-              </a:rPr>
-              <a:t>en efectivo o en tarjeta de </a:t>
-            </a:r>
-            <a:r>
-              <a:rPr lang="es-ES" sz="2400" b="1" strike="noStrike" spc="-1" dirty="0" smtClean="0">
-                <a:solidFill>
-                  <a:srgbClr val="1C1C1C"/>
-                </a:solidFill>
-                <a:latin typeface="Source Sans Pro Semibold"/>
-                <a:ea typeface="DejaVu Sans"/>
-              </a:rPr>
-              <a:t>crédito.</a:t>
-            </a:r>
-            <a:endParaRPr lang="es-ES" sz="2400" b="0" strike="noStrike" spc="-1" dirty="0">
-              <a:latin typeface="Arial"/>
-            </a:endParaRPr>
-          </a:p>
-          <a:p>
-            <a:pPr marL="216000" indent="-215280">
-              <a:lnSpc>
-                <a:spcPct val="100000"/>
-              </a:lnSpc>
-              <a:spcAft>
-                <a:spcPts val="1142"/>
-              </a:spcAft>
-              <a:buClr>
-                <a:srgbClr val="000000"/>
-              </a:buClr>
-              <a:buSzPct val="45000"/>
-              <a:buFont typeface="Wingdings" charset="2"/>
-              <a:buChar char=""/>
-            </a:pPr>
-            <a:r>
-              <a:rPr lang="es-ES" sz="2400" b="1" strike="noStrike" spc="-1" dirty="0" smtClean="0">
-                <a:solidFill>
-                  <a:srgbClr val="1C1C1C"/>
-                </a:solidFill>
-                <a:latin typeface="Source Sans Pro Semibold"/>
-                <a:ea typeface="DejaVu Sans"/>
-              </a:rPr>
-              <a:t> Llamar </a:t>
-            </a:r>
-            <a:r>
-              <a:rPr lang="es-ES" sz="2400" b="1" strike="noStrike" spc="-1" dirty="0">
-                <a:solidFill>
-                  <a:srgbClr val="1C1C1C"/>
-                </a:solidFill>
-                <a:latin typeface="Source Sans Pro Semibold"/>
-                <a:ea typeface="DejaVu Sans"/>
-              </a:rPr>
-              <a:t>a </a:t>
-            </a:r>
-            <a:r>
-              <a:rPr lang="es-ES" sz="2400" b="1" strike="noStrike" spc="-1" dirty="0" smtClean="0">
-                <a:solidFill>
-                  <a:srgbClr val="1C1C1C"/>
-                </a:solidFill>
-                <a:latin typeface="Source Sans Pro Semibold"/>
-                <a:ea typeface="DejaVu Sans"/>
-              </a:rPr>
-              <a:t>metre.</a:t>
-            </a:r>
-            <a:endParaRPr lang="es-ES" sz="2400" b="0" strike="noStrike" spc="-1" dirty="0">
-              <a:latin typeface="Arial"/>
-            </a:endParaRPr>
-          </a:p>
-          <a:p>
-            <a:pPr marL="216000" indent="-215280">
-              <a:lnSpc>
-                <a:spcPct val="100000"/>
-              </a:lnSpc>
-              <a:spcAft>
-                <a:spcPts val="1142"/>
-              </a:spcAft>
-              <a:buClr>
-                <a:srgbClr val="000000"/>
-              </a:buClr>
-              <a:buSzPct val="45000"/>
-              <a:buFont typeface="Wingdings" charset="2"/>
-              <a:buChar char=""/>
-            </a:pPr>
-            <a:r>
-              <a:rPr lang="es-ES" sz="2400" b="1" strike="noStrike" spc="-1" dirty="0" smtClean="0">
-                <a:solidFill>
-                  <a:srgbClr val="1C1C1C"/>
-                </a:solidFill>
-                <a:latin typeface="Source Sans Pro Semibold"/>
-                <a:ea typeface="DejaVu Sans"/>
-              </a:rPr>
-              <a:t> Ver </a:t>
-            </a:r>
-            <a:r>
-              <a:rPr lang="es-ES" sz="2400" b="1" strike="noStrike" spc="-1" dirty="0">
-                <a:solidFill>
-                  <a:srgbClr val="1C1C1C"/>
-                </a:solidFill>
-                <a:latin typeface="Source Sans Pro Semibold"/>
-                <a:ea typeface="DejaVu Sans"/>
-              </a:rPr>
-              <a:t>el estado de los platos (en espera, preparándose, entregado</a:t>
-            </a:r>
-            <a:r>
-              <a:rPr lang="es-ES" sz="2400" b="1" strike="noStrike" spc="-1" dirty="0" smtClean="0">
-                <a:solidFill>
-                  <a:srgbClr val="1C1C1C"/>
-                </a:solidFill>
-                <a:latin typeface="Source Sans Pro Semibold"/>
-                <a:ea typeface="DejaVu Sans"/>
-              </a:rPr>
-              <a:t>).</a:t>
-            </a:r>
-            <a:endParaRPr lang="es-ES" sz="2400" b="0" strike="noStrike" spc="-1" dirty="0">
-              <a:latin typeface="Arial"/>
-            </a:endParaRPr>
-          </a:p>
-          <a:p>
-            <a:pPr marL="216000" indent="-215280">
-              <a:lnSpc>
-                <a:spcPct val="100000"/>
-              </a:lnSpc>
-              <a:spcAft>
-                <a:spcPts val="1142"/>
-              </a:spcAft>
-              <a:buClr>
-                <a:srgbClr val="000000"/>
-              </a:buClr>
-              <a:buSzPct val="45000"/>
-              <a:buFont typeface="Wingdings" charset="2"/>
-              <a:buChar char=""/>
-            </a:pPr>
-            <a:r>
-              <a:rPr lang="es-ES" sz="2400" b="1" strike="noStrike" spc="-1" dirty="0" smtClean="0">
-                <a:solidFill>
-                  <a:srgbClr val="1C1C1C"/>
-                </a:solidFill>
-                <a:latin typeface="Source Sans Pro Semibold"/>
-                <a:ea typeface="DejaVu Sans"/>
-              </a:rPr>
-              <a:t> Puede </a:t>
-            </a:r>
-            <a:r>
-              <a:rPr lang="es-ES" sz="2400" b="1" strike="noStrike" spc="-1" dirty="0">
-                <a:solidFill>
-                  <a:srgbClr val="1C1C1C"/>
-                </a:solidFill>
-                <a:latin typeface="Source Sans Pro Semibold"/>
-                <a:ea typeface="DejaVu Sans"/>
-              </a:rPr>
-              <a:t>eliminar pedidos siempre y cuando estén en </a:t>
-            </a:r>
-            <a:r>
-              <a:rPr lang="es-ES" sz="2400" b="1" strike="noStrike" spc="-1" dirty="0" smtClean="0">
-                <a:solidFill>
-                  <a:srgbClr val="1C1C1C"/>
-                </a:solidFill>
-                <a:latin typeface="Source Sans Pro Semibold"/>
-                <a:ea typeface="DejaVu Sans"/>
-              </a:rPr>
-              <a:t>espera.</a:t>
-            </a:r>
-            <a:endParaRPr lang="es-ES" sz="2400" b="0" strike="noStrike" spc="-1" dirty="0">
-              <a:latin typeface="Arial"/>
-            </a:endParaRPr>
-          </a:p>
-          <a:p>
-            <a:pPr marL="216000" indent="-215280">
-              <a:lnSpc>
-                <a:spcPct val="100000"/>
-              </a:lnSpc>
-              <a:spcAft>
-                <a:spcPts val="1142"/>
-              </a:spcAft>
-              <a:buClr>
-                <a:srgbClr val="000000"/>
-              </a:buClr>
-              <a:buSzPct val="45000"/>
-              <a:buFont typeface="Wingdings" charset="2"/>
-              <a:buChar char=""/>
-            </a:pPr>
-            <a:r>
-              <a:rPr lang="es-ES" sz="2400" b="1" strike="noStrike" spc="-1" dirty="0" smtClean="0">
-                <a:solidFill>
-                  <a:srgbClr val="1C1C1C"/>
-                </a:solidFill>
-                <a:latin typeface="Source Sans Pro Semibold"/>
-                <a:ea typeface="DejaVu Sans"/>
-              </a:rPr>
-              <a:t> Se </a:t>
-            </a:r>
-            <a:r>
-              <a:rPr lang="es-ES" sz="2400" b="1" strike="noStrike" spc="-1" dirty="0">
-                <a:solidFill>
-                  <a:srgbClr val="1C1C1C"/>
-                </a:solidFill>
-                <a:latin typeface="Source Sans Pro Semibold"/>
-                <a:ea typeface="DejaVu Sans"/>
-              </a:rPr>
-              <a:t>podrá imprimir </a:t>
-            </a:r>
-            <a:r>
-              <a:rPr lang="es-ES" sz="2400" b="1" strike="noStrike" spc="-1" dirty="0" smtClean="0">
-                <a:solidFill>
-                  <a:srgbClr val="1C1C1C"/>
-                </a:solidFill>
-                <a:latin typeface="Source Sans Pro Semibold"/>
-                <a:ea typeface="DejaVu Sans"/>
-              </a:rPr>
-              <a:t>factura.</a:t>
-            </a:r>
-            <a:endParaRPr lang="es-ES" sz="2400" b="0" strike="noStrike" spc="-1" dirty="0">
-              <a:latin typeface="Arial"/>
-            </a:endParaRPr>
-          </a:p>
-        </p:txBody>
-      </p:sp>
-    </p:spTree>
-    <p:extLst>
-      <p:ext uri="{BB962C8B-B14F-4D97-AF65-F5344CB8AC3E}">
-        <p14:creationId xmlns:p14="http://schemas.microsoft.com/office/powerpoint/2010/main" val="2758229511"/>
-      </p:ext>
-    </p:extLst>
-  </p:cSld>
-  <p:clrMapOvr>
-    <a:masterClrMapping/>
-  </p:clrMapOvr>
-  <mc:AlternateContent xmlns:mc="http://schemas.openxmlformats.org/markup-compatibility/2006" xmlns:p14="http://schemas.microsoft.com/office/powerpoint/2010/main">
-    <mc:Choice Requires="p14">
-      <p:transition spd="slow" p14:dur="2000"/>
-    </mc:Choice>
-    <mc:Fallback xmlns:p15="http://schemas.microsoft.com/office/powerpoint/2012/main" xmlns="">
-      <p:transition spd="slow"/>
-    </mc:Fallback>
-  </mc:AlternateContent>
-</p:sld>
-</file>
-
-<file path=ppt/slides/slide5.xml><?xml version="1.0" encoding="utf-8"?>
-<p:sld xmlns:a="http://schemas.openxmlformats.org/drawingml/2006/main" xmlns:r="http://schemas.openxmlformats.org/officeDocument/2006/relationships" xmlns:p="http://schemas.openxmlformats.org/presentationml/2006/main">
-  <p:cSld>
-    <p:spTree>
-      <p:nvGrpSpPr>
-        <p:cNvPr id="1" name=""/>
-        <p:cNvGrpSpPr/>
-        <p:nvPr/>
-      </p:nvGrpSpPr>
-      <p:grpSpPr>
-        <a:xfrm>
-          <a:off x="0" y="0"/>
-          <a:ext cx="0" cy="0"/>
-          <a:chOff x="0" y="0"/>
-          <a:chExt cx="0" cy="0"/>
-        </a:xfrm>
-      </p:grpSpPr>
-      <p:sp>
-        <p:nvSpPr>
-          <p:cNvPr id="296" name="CustomShape 1"/>
-          <p:cNvSpPr/>
-          <p:nvPr/>
-        </p:nvSpPr>
-        <p:spPr>
-          <a:xfrm>
-            <a:off x="360000" y="360000"/>
-            <a:ext cx="9358920" cy="898920"/>
-          </a:xfrm>
-          <a:prstGeom prst="rect">
-            <a:avLst/>
-          </a:prstGeom>
-          <a:noFill/>
-          <a:ln>
-            <a:noFill/>
-          </a:ln>
-        </p:spPr>
-        <p:style>
-          <a:lnRef idx="0">
-            <a:scrgbClr r="0" g="0" b="0"/>
-          </a:lnRef>
-          <a:fillRef idx="0">
-            <a:scrgbClr r="0" g="0" b="0"/>
-          </a:fillRef>
-          <a:effectRef idx="0">
-            <a:scrgbClr r="0" g="0" b="0"/>
-          </a:effectRef>
-          <a:fontRef idx="minor"/>
-        </p:style>
-        <p:txBody>
-          <a:bodyPr lIns="0" tIns="0" rIns="0" bIns="0" anchor="b">
-            <a:noAutofit/>
-          </a:bodyPr>
-          <a:lstStyle/>
-          <a:p>
-            <a:pPr>
-              <a:lnSpc>
-                <a:spcPct val="100000"/>
-              </a:lnSpc>
-            </a:pPr>
-            <a:r>
-              <a:rPr lang="es-ES" sz="3200" b="1" strike="noStrike" spc="-1" dirty="0">
-                <a:solidFill>
-                  <a:srgbClr val="FFFFFF"/>
-                </a:solidFill>
-                <a:latin typeface="Source Sans Pro Black"/>
-                <a:ea typeface="DejaVu Sans"/>
-              </a:rPr>
-              <a:t>Requisitos </a:t>
-            </a:r>
-            <a:r>
-              <a:rPr lang="es-ES" sz="3200" b="1" strike="noStrike" spc="-1" dirty="0" smtClean="0">
-                <a:solidFill>
-                  <a:srgbClr val="FFFFFF"/>
-                </a:solidFill>
-                <a:latin typeface="Source Sans Pro Black"/>
-                <a:ea typeface="DejaVu Sans"/>
-              </a:rPr>
-              <a:t>Funcionales – Personal</a:t>
-            </a:r>
-          </a:p>
-          <a:p>
-            <a:pPr>
-              <a:lnSpc>
-                <a:spcPct val="100000"/>
-              </a:lnSpc>
-            </a:pPr>
-            <a:endParaRPr lang="es-ES" sz="3200" b="0" strike="noStrike" spc="-1" dirty="0">
-              <a:latin typeface="Arial"/>
-            </a:endParaRPr>
-          </a:p>
-        </p:txBody>
-      </p:sp>
-      <p:sp>
-        <p:nvSpPr>
-          <p:cNvPr id="297" name="CustomShape 2"/>
-          <p:cNvSpPr/>
-          <p:nvPr/>
-        </p:nvSpPr>
-        <p:spPr>
-          <a:xfrm>
-            <a:off x="360000" y="1980000"/>
-            <a:ext cx="9178920" cy="4678920"/>
-          </a:xfrm>
-          <a:prstGeom prst="rect">
-            <a:avLst/>
-          </a:prstGeom>
-          <a:noFill/>
-          <a:ln>
-            <a:noFill/>
-          </a:ln>
-        </p:spPr>
-        <p:style>
-          <a:lnRef idx="0">
-            <a:scrgbClr r="0" g="0" b="0"/>
-          </a:lnRef>
-          <a:fillRef idx="0">
-            <a:scrgbClr r="0" g="0" b="0"/>
-          </a:fillRef>
-          <a:effectRef idx="0">
-            <a:scrgbClr r="0" g="0" b="0"/>
-          </a:effectRef>
-          <a:fontRef idx="minor"/>
-        </p:style>
-        <p:txBody>
-          <a:bodyPr lIns="0" tIns="0" rIns="0" bIns="0">
-            <a:normAutofit/>
           </a:bodyPr>
           <a:lstStyle/>
           <a:p>
@@ -18089,34 +17386,8 @@
                 <a:latin typeface="Source Sans Pro Semibold"/>
                 <a:ea typeface="DejaVu Sans"/>
               </a:rPr>
-              <a:t>Información completa de cada </a:t>
+              <a:t> Elección de pagar en cualquier momento.</a:t>
             </a:r>
-            <a:r>
-              <a:rPr lang="es-ES" sz="2400" b="1" strike="noStrike" spc="-1" dirty="0" smtClean="0">
-                <a:solidFill>
-                  <a:srgbClr val="1C1C1C"/>
-                </a:solidFill>
-                <a:latin typeface="Source Sans Pro Semibold"/>
-                <a:ea typeface="DejaVu Sans"/>
-              </a:rPr>
-              <a:t>plato.</a:t>
-            </a:r>
-          </a:p>
-          <a:p>
-            <a:pPr marL="216000" indent="-215280">
-              <a:lnSpc>
-                <a:spcPct val="100000"/>
-              </a:lnSpc>
-              <a:spcAft>
-                <a:spcPts val="1142"/>
-              </a:spcAft>
-              <a:buClr>
-                <a:srgbClr val="000000"/>
-              </a:buClr>
-              <a:buSzPct val="45000"/>
-              <a:buFont typeface="Wingdings" charset="2"/>
-              <a:buChar char=""/>
-            </a:pPr>
             <a:endParaRPr lang="es-ES" sz="2400" b="0" strike="noStrike" spc="-1" dirty="0">
               <a:latin typeface="Arial"/>
             </a:endParaRPr>
@@ -18144,34 +17415,8 @@
                 <a:latin typeface="Source Sans Pro Semibold"/>
                 <a:ea typeface="DejaVu Sans"/>
               </a:rPr>
-              <a:t>Comandas agrupadas por </a:t>
+              <a:t> Diferentes alternativas prefijadas en cada plato.</a:t>
             </a:r>
-            <a:r>
-              <a:rPr lang="es-ES" sz="2400" b="1" strike="noStrike" spc="-1" dirty="0" smtClean="0">
-                <a:solidFill>
-                  <a:srgbClr val="1C1C1C"/>
-                </a:solidFill>
-                <a:latin typeface="Source Sans Pro Semibold"/>
-                <a:ea typeface="DejaVu Sans"/>
-              </a:rPr>
-              <a:t>mesa.</a:t>
-            </a:r>
-          </a:p>
-          <a:p>
-            <a:pPr marL="216000" indent="-215280">
-              <a:lnSpc>
-                <a:spcPct val="100000"/>
-              </a:lnSpc>
-              <a:spcAft>
-                <a:spcPts val="1142"/>
-              </a:spcAft>
-              <a:buClr>
-                <a:srgbClr val="000000"/>
-              </a:buClr>
-              <a:buSzPct val="45000"/>
-              <a:buFont typeface="Wingdings" charset="2"/>
-              <a:buChar char=""/>
-            </a:pPr>
             <a:endParaRPr lang="es-ES" sz="2400" b="0" strike="noStrike" spc="-1" dirty="0">
               <a:latin typeface="Arial"/>
             </a:endParaRPr>
@@ -18199,34 +17444,8 @@
                 <a:latin typeface="Source Sans Pro Semibold"/>
                 <a:ea typeface="DejaVu Sans"/>
               </a:rPr>
-              <a:t>Debe ordenarse cada plato según cuando se </a:t>
+              <a:t> Pago en efectivo o en tarjeta de crédito.</a:t>
             </a:r>
-            <a:r>
-              <a:rPr lang="es-ES" sz="2400" b="1" strike="noStrike" spc="-1" dirty="0" smtClean="0">
-                <a:solidFill>
-                  <a:srgbClr val="1C1C1C"/>
-                </a:solidFill>
-                <a:latin typeface="Source Sans Pro Semibold"/>
-                <a:ea typeface="DejaVu Sans"/>
-              </a:rPr>
-              <a:t>pidió.</a:t>
-            </a:r>
-          </a:p>
-          <a:p>
-            <a:pPr marL="216000" indent="-215280">
-              <a:lnSpc>
-                <a:spcPct val="100000"/>
-              </a:lnSpc>
-              <a:spcAft>
-                <a:spcPts val="1142"/>
-              </a:spcAft>
-              <a:buClr>
-                <a:srgbClr val="000000"/>
-              </a:buClr>
-              <a:buSzPct val="45000"/>
-              <a:buFont typeface="Wingdings" charset="2"/>
-              <a:buChar char=""/>
-            </a:pPr>
             <a:endParaRPr lang="es-ES" sz="2400" b="0" strike="noStrike" spc="-1" dirty="0">
               <a:latin typeface="Arial"/>
             </a:endParaRPr>
@@ -18254,34 +17473,8 @@
                 <a:latin typeface="Source Sans Pro Semibold"/>
                 <a:ea typeface="DejaVu Sans"/>
               </a:rPr>
-              <a:t>Los platos de una misma mesa deben llegar a la </a:t>
+              <a:t> Llamar a metre.</a:t>
             </a:r>
-            <a:r>
-              <a:rPr lang="es-ES" sz="2400" b="1" strike="noStrike" spc="-1" dirty="0" smtClean="0">
-                <a:solidFill>
-                  <a:srgbClr val="1C1C1C"/>
-                </a:solidFill>
-                <a:latin typeface="Source Sans Pro Semibold"/>
-                <a:ea typeface="DejaVu Sans"/>
-              </a:rPr>
-              <a:t>vez.</a:t>
-            </a:r>
-          </a:p>
-          <a:p>
-            <a:pPr marL="216000" indent="-215280">
-              <a:lnSpc>
-                <a:spcPct val="100000"/>
-              </a:lnSpc>
-              <a:spcAft>
-                <a:spcPts val="1142"/>
-              </a:spcAft>
-              <a:buClr>
-                <a:srgbClr val="000000"/>
-              </a:buClr>
-              <a:buSzPct val="45000"/>
-              <a:buFont typeface="Wingdings" charset="2"/>
-              <a:buChar char=""/>
-            </a:pPr>
             <a:endParaRPr lang="es-ES" sz="2400" b="0" strike="noStrike" spc="-1" dirty="0">
               <a:latin typeface="Arial"/>
             </a:endParaRPr>
@@ -18309,161 +17502,12 @@
                 <a:latin typeface="Source Sans Pro Semibold"/>
                 <a:ea typeface="DejaVu Sans"/>
               </a:rPr>
-              <a:t>Los metres pueden modificar o eliminar </a:t>
-            </a:r>
-            <a:r>
-              <a:rPr lang="es-ES" sz="2400" b="1" strike="noStrike" spc="-1" dirty="0" smtClean="0">
-                <a:solidFill>
-                  <a:srgbClr val="1C1C1C"/>
-                </a:solidFill>
-                <a:latin typeface="Source Sans Pro Semibold"/>
-                <a:ea typeface="DejaVu Sans"/>
-              </a:rPr>
-              <a:t>comandas.</a:t>
+              <a:t> Ver el estado de los platos (en espera, preparándose, entregado).</a:t>
             </a:r>
             <a:endParaRPr lang="es-ES" sz="2400" b="0" strike="noStrike" spc="-1" dirty="0">
               <a:latin typeface="Arial"/>
             </a:endParaRPr>
           </a:p>
-        </p:txBody>
-      </p:sp>
-    </p:spTree>
-  </p:cSld>
-  <p:clrMapOvr>
-    <a:masterClrMapping/>
-  </p:clrMapOvr>
-  <mc:AlternateContent xmlns:mc="http://schemas.openxmlformats.org/markup-compatibility/2006" xmlns:p14="http://schemas.microsoft.com/office/powerpoint/2010/main">
-    <mc:Choice Requires="p14">
-      <p:transition spd="slow" p14:dur="2000"/>
-    </mc:Choice>
-    <mc:Fallback xmlns:p15="http://schemas.microsoft.com/office/powerpoint/2012/main" xmlns="">
-      <p:transition spd="slow"/>
-    </mc:Fallback>
-  </mc:AlternateContent>
-</p:sld>
-</file>
-
-<file path=ppt/slides/slide6.xml><?xml version="1.0" encoding="utf-8"?>
-<p:sld xmlns:a="http://schemas.openxmlformats.org/drawingml/2006/main" xmlns:r="http://schemas.openxmlformats.org/officeDocument/2006/relationships" xmlns:p="http://schemas.openxmlformats.org/presentationml/2006/main">
-  <p:cSld>
-    <p:spTree>
-      <p:nvGrpSpPr>
-        <p:cNvPr id="1" name=""/>
-        <p:cNvGrpSpPr/>
-        <p:nvPr/>
-      </p:nvGrpSpPr>
-      <p:grpSpPr>
-        <a:xfrm>
-          <a:off x="0" y="0"/>
-          <a:ext cx="0" cy="0"/>
-          <a:chOff x="0" y="0"/>
-          <a:chExt cx="0" cy="0"/>
-        </a:xfrm>
-      </p:grpSpPr>
-      <p:sp>
-        <p:nvSpPr>
-          <p:cNvPr id="298" name="CustomShape 1"/>
-          <p:cNvSpPr/>
-          <p:nvPr/>
-        </p:nvSpPr>
-        <p:spPr>
-          <a:xfrm>
-            <a:off x="360000" y="360000"/>
-            <a:ext cx="9358920" cy="898920"/>
-          </a:xfrm>
-          <a:prstGeom prst="rect">
-            <a:avLst/>
-          </a:prstGeom>
-          <a:noFill/>
-          <a:ln>
-            <a:noFill/>
-          </a:ln>
-        </p:spPr>
-        <p:style>
-          <a:lnRef idx="0">
-            <a:scrgbClr r="0" g="0" b="0"/>
-          </a:lnRef>
-          <a:fillRef idx="0">
-            <a:scrgbClr r="0" g="0" b="0"/>
-          </a:fillRef>
-          <a:effectRef idx="0">
-            <a:scrgbClr r="0" g="0" b="0"/>
-          </a:effectRef>
-          <a:fontRef idx="minor"/>
-        </p:style>
-        <p:txBody>
-          <a:bodyPr lIns="0" tIns="0" rIns="0" bIns="0" anchor="b">
-            <a:noAutofit/>
-          </a:bodyPr>
-          <a:lstStyle/>
-          <a:p>
-            <a:pPr>
-              <a:lnSpc>
-                <a:spcPct val="100000"/>
-              </a:lnSpc>
-            </a:pPr>
-            <a:r>
-              <a:rPr lang="es-ES" sz="3200" b="1" strike="noStrike" spc="-1" dirty="0">
-                <a:solidFill>
-                  <a:srgbClr val="FFFFFF"/>
-                </a:solidFill>
-                <a:latin typeface="Source Sans Pro Black"/>
-                <a:ea typeface="DejaVu Sans"/>
-              </a:rPr>
-              <a:t>Requisitos </a:t>
-            </a:r>
-            <a:r>
-              <a:rPr lang="es-ES" sz="3200" b="1" strike="noStrike" spc="-1" dirty="0" smtClean="0">
-                <a:solidFill>
-                  <a:srgbClr val="FFFFFF"/>
-                </a:solidFill>
-                <a:latin typeface="Source Sans Pro Black"/>
-                <a:ea typeface="DejaVu Sans"/>
-              </a:rPr>
-              <a:t>Funcionales - Gestión</a:t>
-            </a:r>
-            <a:endParaRPr lang="es-ES" sz="3200" b="0" strike="noStrike" spc="-1" dirty="0">
-              <a:latin typeface="Arial"/>
-            </a:endParaRPr>
-          </a:p>
-        </p:txBody>
-      </p:sp>
-      <p:sp>
-        <p:nvSpPr>
-          <p:cNvPr id="299" name="CustomShape 2"/>
-          <p:cNvSpPr/>
-          <p:nvPr/>
-        </p:nvSpPr>
-        <p:spPr>
-          <a:xfrm>
-            <a:off x="360000" y="1980000"/>
-            <a:ext cx="9178920" cy="4678920"/>
-          </a:xfrm>
-          <a:prstGeom prst="rect">
-            <a:avLst/>
-          </a:prstGeom>
-          <a:noFill/>
-          <a:ln>
-            <a:noFill/>
-          </a:ln>
-        </p:spPr>
-        <p:style>
-          <a:lnRef idx="0">
-            <a:scrgbClr r="0" g="0" b="0"/>
-          </a:lnRef>
-          <a:fillRef idx="0">
-            <a:scrgbClr r="0" g="0" b="0"/>
-          </a:fillRef>
-          <a:effectRef idx="0">
-            <a:scrgbClr r="0" g="0" b="0"/>
-          </a:effectRef>
-          <a:fontRef idx="minor"/>
-        </p:style>
-        <p:txBody>
-          <a:bodyPr lIns="0" tIns="0" rIns="0" bIns="0">
-            <a:normAutofit/>
-          </a:bodyPr>
-          <a:lstStyle/>
           <a:p>
             <a:pPr marL="216000" indent="-215280">
               <a:lnSpc>
@@ -18487,34 +17531,8 @@
                 <a:latin typeface="Source Sans Pro Semibold"/>
                 <a:ea typeface="DejaVu Sans"/>
               </a:rPr>
-              <a:t>Registro de </a:t>
+              <a:t> Puede eliminar pedidos siempre y cuando estén en espera.</a:t>
             </a:r>
-            <a:r>
-              <a:rPr lang="es-ES" sz="2400" b="1" strike="noStrike" spc="-1" dirty="0" smtClean="0">
-                <a:solidFill>
-                  <a:srgbClr val="1C1C1C"/>
-                </a:solidFill>
-                <a:latin typeface="Source Sans Pro Semibold"/>
-                <a:ea typeface="DejaVu Sans"/>
-              </a:rPr>
-              <a:t>clientes</a:t>
-            </a:r>
-          </a:p>
-          <a:p>
-            <a:pPr marL="216000" indent="-215280">
-              <a:lnSpc>
-                <a:spcPct val="100000"/>
-              </a:lnSpc>
-              <a:spcAft>
-                <a:spcPts val="1142"/>
-              </a:spcAft>
-              <a:buClr>
-                <a:srgbClr val="000000"/>
-              </a:buClr>
-              <a:buSzPct val="45000"/>
-              <a:buFont typeface="Wingdings" charset="2"/>
-              <a:buChar char=""/>
-            </a:pPr>
             <a:endParaRPr lang="es-ES" sz="2400" b="0" strike="noStrike" spc="-1" dirty="0">
               <a:latin typeface="Arial"/>
             </a:endParaRPr>
@@ -18542,38 +17560,145 @@
                 <a:latin typeface="Source Sans Pro Semibold"/>
                 <a:ea typeface="DejaVu Sans"/>
               </a:rPr>
-              <a:t>Ofrecer estadísticas a raíz de ese </a:t>
+              <a:t> Se podrá imprimir factura.</a:t>
             </a:r>
-            <a:r>
-              <a:rPr lang="es-ES" sz="2400" b="1" strike="noStrike" spc="-1" dirty="0" smtClean="0">
-                <a:solidFill>
-                  <a:srgbClr val="1C1C1C"/>
-                </a:solidFill>
-                <a:latin typeface="Source Sans Pro Semibold"/>
-                <a:ea typeface="DejaVu Sans"/>
-              </a:rPr>
-              <a:t>registro</a:t>
-            </a:r>
-          </a:p>
-          <a:p>
-            <a:pPr marL="216000" indent="-215280">
+            <a:endParaRPr lang="es-ES" sz="2400" b="0" strike="noStrike" spc="-1" dirty="0">
+              <a:latin typeface="Arial"/>
+            </a:endParaRPr>
+          </a:p>
+        </p:txBody>
+      </p:sp>
+    </p:spTree>
+    <p:extLst>
+      <p:ext uri="{BB962C8B-B14F-4D97-AF65-F5344CB8AC3E}">
+        <p14:creationId xmlns:p14="http://schemas.microsoft.com/office/powerpoint/2010/main" val="2758229511"/>
+      </p:ext>
+    </p:extLst>
+  </p:cSld>
+  <p:clrMapOvr>
+    <a:masterClrMapping/>
+  </p:clrMapOvr>
+</p:sld>
+</file>
+
+<file path=ppt/slides/slide5.xml><?xml version="1.0" encoding="utf-8"?>
+<p:sld xmlns:a="http://schemas.openxmlformats.org/drawingml/2006/main" xmlns:r="http://schemas.openxmlformats.org/officeDocument/2006/relationships" xmlns:p="http://schemas.openxmlformats.org/presentationml/2006/main">
+  <p:cSld>
+    <p:spTree>
+      <p:nvGrpSpPr>
+        <p:cNvPr id="1" name=""/>
+        <p:cNvGrpSpPr/>
+        <p:nvPr/>
+      </p:nvGrpSpPr>
+      <p:grpSpPr>
+        <a:xfrm>
+          <a:off x="0" y="0"/>
+          <a:ext cx="0" cy="0"/>
+          <a:chOff x="0" y="0"/>
+          <a:chExt cx="0" cy="0"/>
+        </a:xfrm>
+      </p:grpSpPr>
+      <p:sp>
+        <p:nvSpPr>
+          <p:cNvPr id="296" name="CustomShape 1"/>
+          <p:cNvSpPr/>
+          <p:nvPr/>
+        </p:nvSpPr>
+        <p:spPr>
+          <a:xfrm>
+            <a:off x="360000" y="360000"/>
+            <a:ext cx="9358920" cy="898920"/>
+          </a:xfrm>
+          <a:prstGeom prst="rect">
+            <a:avLst/>
+          </a:prstGeom>
+          <a:noFill/>
+          <a:ln>
+            <a:noFill/>
+          </a:ln>
+        </p:spPr>
+        <p:style>
+          <a:lnRef idx="0">
+            <a:scrgbClr r="0" g="0" b="0"/>
+          </a:lnRef>
+          <a:fillRef idx="0">
+            <a:scrgbClr r="0" g="0" b="0"/>
+          </a:fillRef>
+          <a:effectRef idx="0">
+            <a:scrgbClr r="0" g="0" b="0"/>
+          </a:effectRef>
+          <a:fontRef idx="minor"/>
+        </p:style>
+        <p:txBody>
+          <a:bodyPr lIns="0" tIns="0" rIns="0" bIns="0" anchor="b">
+            <a:noAutofit/>
+          </a:bodyPr>
+          <a:lstStyle/>
+          <a:p>
+            <a:pPr>
               <a:lnSpc>
                 <a:spcPct val="100000"/>
               </a:lnSpc>
-              <a:spcAft>
-                <a:spcPts val="1142"/>
-              </a:spcAft>
-              <a:buClr>
-                <a:srgbClr val="000000"/>
-              </a:buClr>
-              <a:buSzPct val="45000"/>
-              <a:buFont typeface="Wingdings" charset="2"/>
-              <a:buChar char=""/>
             </a:pPr>
-            <a:endParaRPr lang="es-ES" sz="2400" b="0" strike="noStrike" spc="-1" dirty="0">
-              <a:latin typeface="Arial"/>
-            </a:endParaRPr>
-          </a:p>
+            <a:r>
+              <a:rPr lang="es-ES" sz="3200" b="1" strike="noStrike" spc="-1" dirty="0">
+                <a:solidFill>
+                  <a:srgbClr val="FFFFFF"/>
+                </a:solidFill>
+                <a:latin typeface="Source Sans Pro Black"/>
+                <a:ea typeface="DejaVu Sans"/>
+              </a:rPr>
+              <a:t>Requisitos Funcionales – Personal</a:t>
+            </a:r>
+          </a:p>
+          <a:p>
+            <a:pPr>
+              <a:lnSpc>
+                <a:spcPct val="100000"/>
+              </a:lnSpc>
+            </a:pPr>
+            <a:endParaRPr lang="es-ES" sz="3200" b="0" strike="noStrike" spc="-1" dirty="0">
+              <a:latin typeface="Arial"/>
+            </a:endParaRPr>
+          </a:p>
+        </p:txBody>
+      </p:sp>
+      <p:sp>
+        <p:nvSpPr>
+          <p:cNvPr id="297" name="CustomShape 2"/>
+          <p:cNvSpPr/>
+          <p:nvPr/>
+        </p:nvSpPr>
+        <p:spPr>
+          <a:xfrm>
+            <a:off x="360000" y="1980000"/>
+            <a:ext cx="9178920" cy="4678920"/>
+          </a:xfrm>
+          <a:prstGeom prst="rect">
+            <a:avLst/>
+          </a:prstGeom>
+          <a:noFill/>
+          <a:ln>
+            <a:noFill/>
+          </a:ln>
+        </p:spPr>
+        <p:style>
+          <a:lnRef idx="0">
+            <a:scrgbClr r="0" g="0" b="0"/>
+          </a:lnRef>
+          <a:fillRef idx="0">
+            <a:scrgbClr r="0" g="0" b="0"/>
+          </a:fillRef>
+          <a:effectRef idx="0">
+            <a:scrgbClr r="0" g="0" b="0"/>
+          </a:effectRef>
+          <a:fontRef idx="minor"/>
+        </p:style>
+        <p:txBody>
+          <a:bodyPr lIns="0" tIns="0" rIns="0" bIns="0">
+            <a:normAutofit/>
+          </a:bodyPr>
+          <a:lstStyle/>
           <a:p>
             <a:pPr marL="216000" indent="-215280">
               <a:lnSpc>
@@ -18597,17 +17722,7 @@
                 <a:latin typeface="Source Sans Pro Semibold"/>
                 <a:ea typeface="DejaVu Sans"/>
               </a:rPr>
-              <a:t>En sala: Camareros y </a:t>
-            </a:r>
-            <a:r>
-              <a:rPr lang="es-ES" sz="2400" b="1" strike="noStrike" spc="-1" dirty="0" smtClean="0">
-                <a:solidFill>
-                  <a:srgbClr val="1C1C1C"/>
-                </a:solidFill>
-                <a:latin typeface="Source Sans Pro Semibold"/>
-                <a:ea typeface="DejaVu Sans"/>
-              </a:rPr>
-              <a:t>metres</a:t>
+              <a:t>Información completa de cada plato.</a:t>
             </a:r>
           </a:p>
           <a:p>
@@ -18652,17 +17767,427 @@
                 <a:latin typeface="Source Sans Pro Semibold"/>
                 <a:ea typeface="DejaVu Sans"/>
               </a:rPr>
-              <a:t>Tres estados de mesa: disponible, ocupada y por </a:t>
+              <a:t>Comandas agrupadas por mesa.</a:t>
             </a:r>
+          </a:p>
+          <a:p>
+            <a:pPr marL="216000" indent="-215280">
+              <a:lnSpc>
+                <a:spcPct val="100000"/>
+              </a:lnSpc>
+              <a:spcAft>
+                <a:spcPts val="1142"/>
+              </a:spcAft>
+              <a:buClr>
+                <a:srgbClr val="000000"/>
+              </a:buClr>
+              <a:buSzPct val="45000"/>
+              <a:buFont typeface="Wingdings" charset="2"/>
+              <a:buChar char=""/>
+            </a:pPr>
+            <a:endParaRPr lang="es-ES" sz="2400" b="0" strike="noStrike" spc="-1" dirty="0">
+              <a:latin typeface="Arial"/>
+            </a:endParaRPr>
+          </a:p>
+          <a:p>
+            <a:pPr marL="216000" indent="-215280">
+              <a:lnSpc>
+                <a:spcPct val="100000"/>
+              </a:lnSpc>
+              <a:spcAft>
+                <a:spcPts val="1142"/>
+              </a:spcAft>
+              <a:buClr>
+                <a:srgbClr val="000000"/>
+              </a:buClr>
+              <a:buSzPct val="45000"/>
+              <a:buFont typeface="Wingdings" charset="2"/>
+              <a:buChar char=""/>
+            </a:pPr>
             <a:r>
-              <a:rPr lang="es-ES" sz="2400" b="1" strike="noStrike" spc="-1" dirty="0" smtClean="0">
+              <a:rPr lang="es-ES" sz="2400" b="1" strike="noStrike" spc="-1" dirty="0">
                 <a:solidFill>
                   <a:srgbClr val="1C1C1C"/>
                 </a:solidFill>
                 <a:latin typeface="Source Sans Pro Semibold"/>
                 <a:ea typeface="DejaVu Sans"/>
               </a:rPr>
-              <a:t>limpiar</a:t>
+              <a:t>Debe ordenarse cada plato según cuando se pidió.</a:t>
+            </a:r>
+          </a:p>
+          <a:p>
+            <a:pPr marL="216000" indent="-215280">
+              <a:lnSpc>
+                <a:spcPct val="100000"/>
+              </a:lnSpc>
+              <a:spcAft>
+                <a:spcPts val="1142"/>
+              </a:spcAft>
+              <a:buClr>
+                <a:srgbClr val="000000"/>
+              </a:buClr>
+              <a:buSzPct val="45000"/>
+              <a:buFont typeface="Wingdings" charset="2"/>
+              <a:buChar char=""/>
+            </a:pPr>
+            <a:endParaRPr lang="es-ES" sz="2400" b="0" strike="noStrike" spc="-1" dirty="0">
+              <a:latin typeface="Arial"/>
+            </a:endParaRPr>
+          </a:p>
+          <a:p>
+            <a:pPr marL="216000" indent="-215280">
+              <a:lnSpc>
+                <a:spcPct val="100000"/>
+              </a:lnSpc>
+              <a:spcAft>
+                <a:spcPts val="1142"/>
+              </a:spcAft>
+              <a:buClr>
+                <a:srgbClr val="000000"/>
+              </a:buClr>
+              <a:buSzPct val="45000"/>
+              <a:buFont typeface="Wingdings" charset="2"/>
+              <a:buChar char=""/>
+            </a:pPr>
+            <a:r>
+              <a:rPr lang="es-ES" sz="2400" b="1" strike="noStrike" spc="-1" dirty="0">
+                <a:solidFill>
+                  <a:srgbClr val="1C1C1C"/>
+                </a:solidFill>
+                <a:latin typeface="Source Sans Pro Semibold"/>
+                <a:ea typeface="DejaVu Sans"/>
+              </a:rPr>
+              <a:t>Los platos de una misma mesa deben llegar a la vez.</a:t>
+            </a:r>
+          </a:p>
+          <a:p>
+            <a:pPr marL="216000" indent="-215280">
+              <a:lnSpc>
+                <a:spcPct val="100000"/>
+              </a:lnSpc>
+              <a:spcAft>
+                <a:spcPts val="1142"/>
+              </a:spcAft>
+              <a:buClr>
+                <a:srgbClr val="000000"/>
+              </a:buClr>
+              <a:buSzPct val="45000"/>
+              <a:buFont typeface="Wingdings" charset="2"/>
+              <a:buChar char=""/>
+            </a:pPr>
+            <a:endParaRPr lang="es-ES" sz="2400" b="0" strike="noStrike" spc="-1" dirty="0">
+              <a:latin typeface="Arial"/>
+            </a:endParaRPr>
+          </a:p>
+          <a:p>
+            <a:pPr marL="216000" indent="-215280">
+              <a:lnSpc>
+                <a:spcPct val="100000"/>
+              </a:lnSpc>
+              <a:spcAft>
+                <a:spcPts val="1142"/>
+              </a:spcAft>
+              <a:buClr>
+                <a:srgbClr val="000000"/>
+              </a:buClr>
+              <a:buSzPct val="45000"/>
+              <a:buFont typeface="Wingdings" charset="2"/>
+              <a:buChar char=""/>
+            </a:pPr>
+            <a:r>
+              <a:rPr lang="es-ES" sz="2400" b="1" strike="noStrike" spc="-1" dirty="0">
+                <a:solidFill>
+                  <a:srgbClr val="1C1C1C"/>
+                </a:solidFill>
+                <a:latin typeface="Source Sans Pro Semibold"/>
+                <a:ea typeface="DejaVu Sans"/>
+              </a:rPr>
+              <a:t>Los metres pueden modificar o eliminar comandas.</a:t>
+            </a:r>
+            <a:endParaRPr lang="es-ES" sz="2400" b="0" strike="noStrike" spc="-1" dirty="0">
+              <a:latin typeface="Arial"/>
+            </a:endParaRPr>
+          </a:p>
+        </p:txBody>
+      </p:sp>
+    </p:spTree>
+  </p:cSld>
+  <p:clrMapOvr>
+    <a:masterClrMapping/>
+  </p:clrMapOvr>
+</p:sld>
+</file>
+
+<file path=ppt/slides/slide6.xml><?xml version="1.0" encoding="utf-8"?>
+<p:sld xmlns:a="http://schemas.openxmlformats.org/drawingml/2006/main" xmlns:r="http://schemas.openxmlformats.org/officeDocument/2006/relationships" xmlns:p="http://schemas.openxmlformats.org/presentationml/2006/main">
+  <p:cSld>
+    <p:spTree>
+      <p:nvGrpSpPr>
+        <p:cNvPr id="1" name=""/>
+        <p:cNvGrpSpPr/>
+        <p:nvPr/>
+      </p:nvGrpSpPr>
+      <p:grpSpPr>
+        <a:xfrm>
+          <a:off x="0" y="0"/>
+          <a:ext cx="0" cy="0"/>
+          <a:chOff x="0" y="0"/>
+          <a:chExt cx="0" cy="0"/>
+        </a:xfrm>
+      </p:grpSpPr>
+      <p:sp>
+        <p:nvSpPr>
+          <p:cNvPr id="298" name="CustomShape 1"/>
+          <p:cNvSpPr/>
+          <p:nvPr/>
+        </p:nvSpPr>
+        <p:spPr>
+          <a:xfrm>
+            <a:off x="360000" y="360000"/>
+            <a:ext cx="9358920" cy="898920"/>
+          </a:xfrm>
+          <a:prstGeom prst="rect">
+            <a:avLst/>
+          </a:prstGeom>
+          <a:noFill/>
+          <a:ln>
+            <a:noFill/>
+          </a:ln>
+        </p:spPr>
+        <p:style>
+          <a:lnRef idx="0">
+            <a:scrgbClr r="0" g="0" b="0"/>
+          </a:lnRef>
+          <a:fillRef idx="0">
+            <a:scrgbClr r="0" g="0" b="0"/>
+          </a:fillRef>
+          <a:effectRef idx="0">
+            <a:scrgbClr r="0" g="0" b="0"/>
+          </a:effectRef>
+          <a:fontRef idx="minor"/>
+        </p:style>
+        <p:txBody>
+          <a:bodyPr lIns="0" tIns="0" rIns="0" bIns="0" anchor="b">
+            <a:noAutofit/>
+          </a:bodyPr>
+          <a:lstStyle/>
+          <a:p>
+            <a:pPr>
+              <a:lnSpc>
+                <a:spcPct val="100000"/>
+              </a:lnSpc>
+            </a:pPr>
+            <a:r>
+              <a:rPr lang="es-ES" sz="3200" b="1" strike="noStrike" spc="-1" dirty="0">
+                <a:solidFill>
+                  <a:srgbClr val="FFFFFF"/>
+                </a:solidFill>
+                <a:latin typeface="Source Sans Pro Black"/>
+                <a:ea typeface="DejaVu Sans"/>
+              </a:rPr>
+              <a:t>Requisitos Funcionales - Gestión</a:t>
+            </a:r>
+            <a:endParaRPr lang="es-ES" sz="3200" b="0" strike="noStrike" spc="-1" dirty="0">
+              <a:latin typeface="Arial"/>
+            </a:endParaRPr>
+          </a:p>
+        </p:txBody>
+      </p:sp>
+      <p:sp>
+        <p:nvSpPr>
+          <p:cNvPr id="299" name="CustomShape 2"/>
+          <p:cNvSpPr/>
+          <p:nvPr/>
+        </p:nvSpPr>
+        <p:spPr>
+          <a:xfrm>
+            <a:off x="360000" y="1980000"/>
+            <a:ext cx="9178920" cy="4678920"/>
+          </a:xfrm>
+          <a:prstGeom prst="rect">
+            <a:avLst/>
+          </a:prstGeom>
+          <a:noFill/>
+          <a:ln>
+            <a:noFill/>
+          </a:ln>
+        </p:spPr>
+        <p:style>
+          <a:lnRef idx="0">
+            <a:scrgbClr r="0" g="0" b="0"/>
+          </a:lnRef>
+          <a:fillRef idx="0">
+            <a:scrgbClr r="0" g="0" b="0"/>
+          </a:fillRef>
+          <a:effectRef idx="0">
+            <a:scrgbClr r="0" g="0" b="0"/>
+          </a:effectRef>
+          <a:fontRef idx="minor"/>
+        </p:style>
+        <p:txBody>
+          <a:bodyPr lIns="0" tIns="0" rIns="0" bIns="0">
+            <a:normAutofit/>
+          </a:bodyPr>
+          <a:lstStyle/>
+          <a:p>
+            <a:pPr marL="216000" indent="-215280">
+              <a:lnSpc>
+                <a:spcPct val="100000"/>
+              </a:lnSpc>
+              <a:spcAft>
+                <a:spcPts val="1142"/>
+              </a:spcAft>
+              <a:buClr>
+                <a:srgbClr val="000000"/>
+              </a:buClr>
+              <a:buSzPct val="45000"/>
+              <a:buFont typeface="Wingdings" charset="2"/>
+              <a:buChar char=""/>
+            </a:pPr>
+            <a:r>
+              <a:rPr lang="es-ES" sz="2400" b="1" strike="noStrike" spc="-1" dirty="0">
+                <a:solidFill>
+                  <a:srgbClr val="1C1C1C"/>
+                </a:solidFill>
+                <a:latin typeface="Source Sans Pro Semibold"/>
+                <a:ea typeface="DejaVu Sans"/>
+              </a:rPr>
+              <a:t>Registro de clientes</a:t>
+            </a:r>
+          </a:p>
+          <a:p>
+            <a:pPr marL="216000" indent="-215280">
+              <a:lnSpc>
+                <a:spcPct val="100000"/>
+              </a:lnSpc>
+              <a:spcAft>
+                <a:spcPts val="1142"/>
+              </a:spcAft>
+              <a:buClr>
+                <a:srgbClr val="000000"/>
+              </a:buClr>
+              <a:buSzPct val="45000"/>
+              <a:buFont typeface="Wingdings" charset="2"/>
+              <a:buChar char=""/>
+            </a:pPr>
+            <a:endParaRPr lang="es-ES" sz="2400" b="0" strike="noStrike" spc="-1" dirty="0">
+              <a:latin typeface="Arial"/>
+            </a:endParaRPr>
+          </a:p>
+          <a:p>
+            <a:pPr marL="216000" indent="-215280">
+              <a:lnSpc>
+                <a:spcPct val="100000"/>
+              </a:lnSpc>
+              <a:spcAft>
+                <a:spcPts val="1142"/>
+              </a:spcAft>
+              <a:buClr>
+                <a:srgbClr val="000000"/>
+              </a:buClr>
+              <a:buSzPct val="45000"/>
+              <a:buFont typeface="Wingdings" charset="2"/>
+              <a:buChar char=""/>
+            </a:pPr>
+            <a:r>
+              <a:rPr lang="es-ES" sz="2400" b="1" strike="noStrike" spc="-1" dirty="0">
+                <a:solidFill>
+                  <a:srgbClr val="1C1C1C"/>
+                </a:solidFill>
+                <a:latin typeface="Source Sans Pro Semibold"/>
+                <a:ea typeface="DejaVu Sans"/>
+              </a:rPr>
+              <a:t>Ofrecer estadísticas a raíz de ese registro</a:t>
+            </a:r>
+          </a:p>
+          <a:p>
+            <a:pPr marL="216000" indent="-215280">
+              <a:lnSpc>
+                <a:spcPct val="100000"/>
+              </a:lnSpc>
+              <a:spcAft>
+                <a:spcPts val="1142"/>
+              </a:spcAft>
+              <a:buClr>
+                <a:srgbClr val="000000"/>
+              </a:buClr>
+              <a:buSzPct val="45000"/>
+              <a:buFont typeface="Wingdings" charset="2"/>
+              <a:buChar char=""/>
+            </a:pPr>
+            <a:endParaRPr lang="es-ES" sz="2400" b="0" strike="noStrike" spc="-1" dirty="0">
+              <a:latin typeface="Arial"/>
+            </a:endParaRPr>
+          </a:p>
+          <a:p>
+            <a:pPr marL="216000" indent="-215280">
+              <a:lnSpc>
+                <a:spcPct val="100000"/>
+              </a:lnSpc>
+              <a:spcAft>
+                <a:spcPts val="1142"/>
+              </a:spcAft>
+              <a:buClr>
+                <a:srgbClr val="000000"/>
+              </a:buClr>
+              <a:buSzPct val="45000"/>
+              <a:buFont typeface="Wingdings" charset="2"/>
+              <a:buChar char=""/>
+            </a:pPr>
+            <a:r>
+              <a:rPr lang="es-ES" sz="2400" b="1" strike="noStrike" spc="-1" dirty="0">
+                <a:solidFill>
+                  <a:srgbClr val="1C1C1C"/>
+                </a:solidFill>
+                <a:latin typeface="Source Sans Pro Semibold"/>
+                <a:ea typeface="DejaVu Sans"/>
+              </a:rPr>
+              <a:t>En sala: Camareros y metres</a:t>
+            </a:r>
+          </a:p>
+          <a:p>
+            <a:pPr marL="216000" indent="-215280">
+              <a:lnSpc>
+                <a:spcPct val="100000"/>
+              </a:lnSpc>
+              <a:spcAft>
+                <a:spcPts val="1142"/>
+              </a:spcAft>
+              <a:buClr>
+                <a:srgbClr val="000000"/>
+              </a:buClr>
+              <a:buSzPct val="45000"/>
+              <a:buFont typeface="Wingdings" charset="2"/>
+              <a:buChar char=""/>
+            </a:pPr>
+            <a:endParaRPr lang="es-ES" sz="2400" b="0" strike="noStrike" spc="-1" dirty="0">
+              <a:latin typeface="Arial"/>
+            </a:endParaRPr>
+          </a:p>
+          <a:p>
+            <a:pPr marL="216000" indent="-215280">
+              <a:lnSpc>
+                <a:spcPct val="100000"/>
+              </a:lnSpc>
+              <a:spcAft>
+                <a:spcPts val="1142"/>
+              </a:spcAft>
+              <a:buClr>
+                <a:srgbClr val="000000"/>
+              </a:buClr>
+              <a:buSzPct val="45000"/>
+              <a:buFont typeface="Wingdings" charset="2"/>
+              <a:buChar char=""/>
+            </a:pPr>
+            <a:r>
+              <a:rPr lang="es-ES" sz="2400" b="1" strike="noStrike" spc="-1" dirty="0">
+                <a:solidFill>
+                  <a:srgbClr val="1C1C1C"/>
+                </a:solidFill>
+                <a:latin typeface="Source Sans Pro Semibold"/>
+                <a:ea typeface="DejaVu Sans"/>
+              </a:rPr>
+              <a:t>Tres estados de mesa: disponible, ocupada y por limpiar</a:t>
             </a:r>
           </a:p>
           <a:p>
@@ -18730,14 +18255,6 @@
   <p:clrMapOvr>
     <a:masterClrMapping/>
   </p:clrMapOvr>
-  <mc:AlternateContent xmlns:mc="http://schemas.openxmlformats.org/markup-compatibility/2006" xmlns:p14="http://schemas.microsoft.com/office/powerpoint/2010/main">
-    <mc:Choice Requires="p14">
-      <p:transition spd="slow" p14:dur="2000"/>
-    </mc:Choice>
-    <mc:Fallback xmlns:p15="http://schemas.microsoft.com/office/powerpoint/2012/main" xmlns="">
-      <p:transition spd="slow"/>
-    </mc:Fallback>
-  </mc:AlternateContent>
 </p:sld>
 </file>
 
@@ -18808,20 +18325,10 @@
                 <a:latin typeface="Source Sans Pro Black"/>
                 <a:ea typeface="DejaVu Sans"/>
               </a:rPr>
-              <a:t>Caso de </a:t>
+              <a:t>Caso de Uso - </a:t>
             </a:r>
             <a:r>
-              <a:rPr lang="es-ES" sz="3200" b="1" strike="noStrike" spc="-1" dirty="0" smtClean="0">
-                <a:solidFill>
-                  <a:srgbClr val="FFFFFF"/>
-                </a:solidFill>
-                <a:latin typeface="Source Sans Pro Black"/>
-                <a:ea typeface="DejaVu Sans"/>
-              </a:rPr>
-              <a:t>Uso - </a:t>
-            </a:r>
-            <a:r>
-              <a:rPr lang="es-ES" sz="3200" b="1" spc="-1" dirty="0" smtClean="0">
+              <a:rPr lang="es-ES" sz="3200" b="1" spc="-1" dirty="0">
                 <a:solidFill>
                   <a:srgbClr val="FFFFFF"/>
                 </a:solidFill>
@@ -18831,7 +18338,7 @@
               <a:t>C</a:t>
             </a:r>
             <a:r>
-              <a:rPr lang="es-ES" sz="3200" b="1" strike="noStrike" spc="-1" dirty="0" smtClean="0">
+              <a:rPr lang="es-ES" sz="3200" b="1" strike="noStrike" spc="-1" dirty="0">
                 <a:solidFill>
                   <a:srgbClr val="FFFFFF"/>
                 </a:solidFill>
@@ -18848,33 +18355,10 @@
       </p:sp>
       <p:pic>
         <p:nvPicPr>
-          <p:cNvPr id="301" name="Imagen 300"/>
-          <p:cNvPicPr/>
-          <p:nvPr/>
-        </p:nvPicPr>
-        <p:blipFill>
-          <a:blip r:embed="rId2"/>
-          <a:stretch/>
-        </p:blipFill>
-        <p:spPr>
-          <a:xfrm>
-            <a:off x="1029240" y="1807920"/>
-            <a:ext cx="8042400" cy="4383720"/>
-          </a:xfrm>
-          <a:prstGeom prst="rect">
-            <a:avLst/>
-          </a:prstGeom>
-          <a:ln>
-            <a:noFill/>
-          </a:ln>
-        </p:spPr>
-      </p:pic>
-      <p:pic>
-        <p:nvPicPr>
-          <p:cNvPr id="4" name="Imagen 3">
+          <p:cNvPr id="6" name="Imagen 5" descr="Imagen que contiene texto, mapa&#10;&#10;Descripción generada automáticamente">
             <a:extLst>
               <a:ext uri="{FF2B5EF4-FFF2-40B4-BE49-F238E27FC236}">
-                <a16:creationId xmlns:a16="http://schemas.microsoft.com/office/drawing/2014/main" id="{F1BDD349-F2BE-4B1E-B4D6-8671F7811351}"/>
+                <a16:creationId xmlns:a16="http://schemas.microsoft.com/office/drawing/2014/main" id="{DEB7751E-4CC8-48DB-9DDE-94660D801336}"/>
               </a:ext>
             </a:extLst>
           </p:cNvPr>
@@ -18884,7 +18368,7 @@
           <p:nvPr/>
         </p:nvPicPr>
         <p:blipFill>
-          <a:blip r:embed="rId3">
+          <a:blip r:embed="rId2">
             <a:extLst>
               <a:ext uri="{28A0092B-C50C-407E-A947-70E740481C1C}">
                 <a14:useLocalDpi xmlns:a14="http://schemas.microsoft.com/office/drawing/2010/main" val="0"/>
@@ -18897,8 +18381,8 @@
         </p:blipFill>
         <p:spPr>
           <a:xfrm>
-            <a:off x="778825" y="1517575"/>
-            <a:ext cx="8677983" cy="5256045"/>
+            <a:off x="0" y="1455174"/>
+            <a:ext cx="10080625" cy="5329084"/>
           </a:xfrm>
           <a:prstGeom prst="rect">
             <a:avLst/>
@@ -18910,14 +18394,6 @@
   <p:clrMapOvr>
     <a:masterClrMapping/>
   </p:clrMapOvr>
-  <mc:AlternateContent xmlns:mc="http://schemas.openxmlformats.org/markup-compatibility/2006" xmlns:p14="http://schemas.microsoft.com/office/powerpoint/2010/main">
-    <mc:Choice Requires="p14">
-      <p:transition spd="slow" p14:dur="2000"/>
-    </mc:Choice>
-    <mc:Fallback xmlns:p15="http://schemas.microsoft.com/office/powerpoint/2012/main" xmlns="">
-      <p:transition spd="slow"/>
-    </mc:Fallback>
-  </mc:AlternateContent>
 </p:sld>
 </file>
 
@@ -18981,7 +18457,7 @@
               </a:lnSpc>
             </a:pPr>
             <a:r>
-              <a:rPr lang="es-ES" sz="3200" b="1" strike="noStrike" spc="-1" dirty="0" smtClean="0">
+              <a:rPr lang="es-ES" sz="3200" b="1" strike="noStrike" spc="-1" dirty="0">
                 <a:solidFill>
                   <a:srgbClr val="FFFFFF"/>
                 </a:solidFill>
@@ -19098,14 +18574,6 @@
   <p:clrMapOvr>
     <a:masterClrMapping/>
   </p:clrMapOvr>
-  <mc:AlternateContent xmlns:mc="http://schemas.openxmlformats.org/markup-compatibility/2006" xmlns:p14="http://schemas.microsoft.com/office/powerpoint/2010/main">
-    <mc:Choice Requires="p14">
-      <p:transition spd="slow" p14:dur="2000"/>
-    </mc:Choice>
-    <mc:Fallback xmlns:p15="http://schemas.microsoft.com/office/powerpoint/2012/main" xmlns="">
-      <p:transition spd="slow"/>
-    </mc:Fallback>
-  </mc:AlternateContent>
 </p:sld>
 </file>
 
@@ -19169,22 +18637,13 @@
               </a:lnSpc>
             </a:pPr>
             <a:r>
-              <a:rPr lang="es-ES" sz="3200" b="1" spc="-1" dirty="0" smtClean="0">
-                <a:solidFill>
-                  <a:srgbClr val="FFFFFF"/>
-                </a:solidFill>
-                <a:latin typeface="Source Sans Pro Black"/>
-              </a:rPr>
-              <a:t>Prototipo </a:t>
-            </a:r>
-            <a:r>
               <a:rPr lang="es-ES" sz="3200" b="1" spc="-1" dirty="0">
                 <a:solidFill>
                   <a:srgbClr val="FFFFFF"/>
                 </a:solidFill>
                 <a:latin typeface="Source Sans Pro Black"/>
               </a:rPr>
-              <a:t>Interfaz - Cliente</a:t>
+              <a:t>Prototipo Interfaz - Cliente</a:t>
             </a:r>
             <a:endParaRPr lang="es-ES" sz="3200" spc="-1" dirty="0"/>
           </a:p>
@@ -19279,14 +18738,6 @@
   <p:clrMapOvr>
     <a:masterClrMapping/>
   </p:clrMapOvr>
-  <mc:AlternateContent xmlns:mc="http://schemas.openxmlformats.org/markup-compatibility/2006" xmlns:p14="http://schemas.microsoft.com/office/powerpoint/2010/main">
-    <mc:Choice Requires="p14">
-      <p:transition spd="slow" p14:dur="2000"/>
-    </mc:Choice>
-    <mc:Fallback xmlns:p15="http://schemas.microsoft.com/office/powerpoint/2012/main" xmlns="">
-      <p:transition spd="slow"/>
-    </mc:Fallback>
-  </mc:AlternateContent>
 </p:sld>
 </file>
 
